--- a/Holdlen2DH_files/logo.pptx
+++ b/Holdlen2DH_files/logo.pptx
@@ -5,7 +5,7 @@
     <p:sldMasterId id="2147483648" r:id="rId1"/>
   </p:sldMasterIdLst>
   <p:sldIdLst>
-    <p:sldId id="256" r:id="rId3"/>
+    <p:sldId id="256" r:id="rId2"/>
   </p:sldIdLst>
   <p:sldSz cx="12192000" cy="6858000"/>
   <p:notesSz cx="6858000" cy="9144000"/>
@@ -104,6 +104,11 @@
       </a:defRPr>
     </a:lvl9pPr>
   </p:defaultTextStyle>
+  <p:extLst>
+    <p:ext uri="{EFAFB233-063F-42B5-8137-9DF3F51BA10A}">
+      <p15:sldGuideLst xmlns:p15="http://schemas.microsoft.com/office/powerpoint/2012/main"/>
+    </p:ext>
+  </p:extLst>
 </p:presentation>
 </file>
 
@@ -238,6 +243,7 @@
           <a:p>
             <a:fld id="{D997B5FA-0921-464F-AAE1-844C04324D75}" type="datetimeFigureOut">
               <a:rPr lang="zh-CN" altLang="en-US" smtClean="0"/>
+              <a:t>2017/8/2</a:t>
             </a:fld>
             <a:endParaRPr lang="zh-CN" altLang="en-US"/>
           </a:p>
@@ -279,6 +285,7 @@
           <a:p>
             <a:fld id="{565CE74E-AB26-4998-AD42-012C4C1AD076}" type="slidenum">
               <a:rPr lang="zh-CN" altLang="en-US" smtClean="0"/>
+              <a:t>‹#›</a:t>
             </a:fld>
             <a:endParaRPr lang="zh-CN" altLang="en-US"/>
           </a:p>
@@ -352,7 +359,6 @@
               <a:rPr lang="zh-CN" altLang="en-US" smtClean="0"/>
               <a:t>单击此处编辑母版文本样式</a:t>
             </a:r>
-            <a:endParaRPr lang="zh-CN" altLang="en-US" smtClean="0"/>
           </a:p>
           <a:p>
             <a:pPr lvl="1"/>
@@ -360,7 +366,6 @@
               <a:rPr lang="zh-CN" altLang="en-US" smtClean="0"/>
               <a:t>第二级</a:t>
             </a:r>
-            <a:endParaRPr lang="zh-CN" altLang="en-US" smtClean="0"/>
           </a:p>
           <a:p>
             <a:pPr lvl="2"/>
@@ -368,7 +373,6 @@
               <a:rPr lang="zh-CN" altLang="en-US" smtClean="0"/>
               <a:t>第三级</a:t>
             </a:r>
-            <a:endParaRPr lang="zh-CN" altLang="en-US" smtClean="0"/>
           </a:p>
           <a:p>
             <a:pPr lvl="3"/>
@@ -376,7 +380,6 @@
               <a:rPr lang="zh-CN" altLang="en-US" smtClean="0"/>
               <a:t>第四级</a:t>
             </a:r>
-            <a:endParaRPr lang="zh-CN" altLang="en-US" smtClean="0"/>
           </a:p>
           <a:p>
             <a:pPr lvl="4"/>
@@ -405,6 +408,7 @@
           <a:p>
             <a:fld id="{D997B5FA-0921-464F-AAE1-844C04324D75}" type="datetimeFigureOut">
               <a:rPr lang="zh-CN" altLang="en-US" smtClean="0"/>
+              <a:t>2017/8/2</a:t>
             </a:fld>
             <a:endParaRPr lang="zh-CN" altLang="en-US"/>
           </a:p>
@@ -446,6 +450,7 @@
           <a:p>
             <a:fld id="{565CE74E-AB26-4998-AD42-012C4C1AD076}" type="slidenum">
               <a:rPr lang="zh-CN" altLang="en-US" smtClean="0"/>
+              <a:t>‹#›</a:t>
             </a:fld>
             <a:endParaRPr lang="zh-CN" altLang="en-US"/>
           </a:p>
@@ -529,7 +534,6 @@
               <a:rPr lang="zh-CN" altLang="en-US" smtClean="0"/>
               <a:t>单击此处编辑母版文本样式</a:t>
             </a:r>
-            <a:endParaRPr lang="zh-CN" altLang="en-US" smtClean="0"/>
           </a:p>
           <a:p>
             <a:pPr lvl="1"/>
@@ -537,7 +541,6 @@
               <a:rPr lang="zh-CN" altLang="en-US" smtClean="0"/>
               <a:t>第二级</a:t>
             </a:r>
-            <a:endParaRPr lang="zh-CN" altLang="en-US" smtClean="0"/>
           </a:p>
           <a:p>
             <a:pPr lvl="2"/>
@@ -545,7 +548,6 @@
               <a:rPr lang="zh-CN" altLang="en-US" smtClean="0"/>
               <a:t>第三级</a:t>
             </a:r>
-            <a:endParaRPr lang="zh-CN" altLang="en-US" smtClean="0"/>
           </a:p>
           <a:p>
             <a:pPr lvl="3"/>
@@ -553,7 +555,6 @@
               <a:rPr lang="zh-CN" altLang="en-US" smtClean="0"/>
               <a:t>第四级</a:t>
             </a:r>
-            <a:endParaRPr lang="zh-CN" altLang="en-US" smtClean="0"/>
           </a:p>
           <a:p>
             <a:pPr lvl="4"/>
@@ -582,6 +583,7 @@
           <a:p>
             <a:fld id="{D997B5FA-0921-464F-AAE1-844C04324D75}" type="datetimeFigureOut">
               <a:rPr lang="zh-CN" altLang="en-US" smtClean="0"/>
+              <a:t>2017/8/2</a:t>
             </a:fld>
             <a:endParaRPr lang="zh-CN" altLang="en-US"/>
           </a:p>
@@ -623,6 +625,7 @@
           <a:p>
             <a:fld id="{565CE74E-AB26-4998-AD42-012C4C1AD076}" type="slidenum">
               <a:rPr lang="zh-CN" altLang="en-US" smtClean="0"/>
+              <a:t>‹#›</a:t>
             </a:fld>
             <a:endParaRPr lang="zh-CN" altLang="en-US"/>
           </a:p>
@@ -696,7 +699,6 @@
               <a:rPr lang="zh-CN" altLang="en-US" smtClean="0"/>
               <a:t>单击此处编辑母版文本样式</a:t>
             </a:r>
-            <a:endParaRPr lang="zh-CN" altLang="en-US" smtClean="0"/>
           </a:p>
           <a:p>
             <a:pPr lvl="1"/>
@@ -704,7 +706,6 @@
               <a:rPr lang="zh-CN" altLang="en-US" smtClean="0"/>
               <a:t>第二级</a:t>
             </a:r>
-            <a:endParaRPr lang="zh-CN" altLang="en-US" smtClean="0"/>
           </a:p>
           <a:p>
             <a:pPr lvl="2"/>
@@ -712,7 +713,6 @@
               <a:rPr lang="zh-CN" altLang="en-US" smtClean="0"/>
               <a:t>第三级</a:t>
             </a:r>
-            <a:endParaRPr lang="zh-CN" altLang="en-US" smtClean="0"/>
           </a:p>
           <a:p>
             <a:pPr lvl="3"/>
@@ -720,7 +720,6 @@
               <a:rPr lang="zh-CN" altLang="en-US" smtClean="0"/>
               <a:t>第四级</a:t>
             </a:r>
-            <a:endParaRPr lang="zh-CN" altLang="en-US" smtClean="0"/>
           </a:p>
           <a:p>
             <a:pPr lvl="4"/>
@@ -749,6 +748,7 @@
           <a:p>
             <a:fld id="{D997B5FA-0921-464F-AAE1-844C04324D75}" type="datetimeFigureOut">
               <a:rPr lang="zh-CN" altLang="en-US" smtClean="0"/>
+              <a:t>2017/8/2</a:t>
             </a:fld>
             <a:endParaRPr lang="zh-CN" altLang="en-US"/>
           </a:p>
@@ -790,6 +790,7 @@
           <a:p>
             <a:fld id="{565CE74E-AB26-4998-AD42-012C4C1AD076}" type="slidenum">
               <a:rPr lang="zh-CN" altLang="en-US" smtClean="0"/>
+              <a:t>‹#›</a:t>
             </a:fld>
             <a:endParaRPr lang="zh-CN" altLang="en-US"/>
           </a:p>
@@ -968,7 +969,6 @@
               <a:rPr lang="zh-CN" altLang="en-US" smtClean="0"/>
               <a:t>单击此处编辑母版文本样式</a:t>
             </a:r>
-            <a:endParaRPr lang="zh-CN" altLang="en-US" smtClean="0"/>
           </a:p>
         </p:txBody>
       </p:sp>
@@ -989,6 +989,7 @@
           <a:p>
             <a:fld id="{D997B5FA-0921-464F-AAE1-844C04324D75}" type="datetimeFigureOut">
               <a:rPr lang="zh-CN" altLang="en-US" smtClean="0"/>
+              <a:t>2017/8/2</a:t>
             </a:fld>
             <a:endParaRPr lang="zh-CN" altLang="en-US"/>
           </a:p>
@@ -1030,6 +1031,7 @@
           <a:p>
             <a:fld id="{565CE74E-AB26-4998-AD42-012C4C1AD076}" type="slidenum">
               <a:rPr lang="zh-CN" altLang="en-US" smtClean="0"/>
+              <a:t>‹#›</a:t>
             </a:fld>
             <a:endParaRPr lang="zh-CN" altLang="en-US"/>
           </a:p>
@@ -1108,7 +1110,6 @@
               <a:rPr lang="zh-CN" altLang="en-US" smtClean="0"/>
               <a:t>单击此处编辑母版文本样式</a:t>
             </a:r>
-            <a:endParaRPr lang="zh-CN" altLang="en-US" smtClean="0"/>
           </a:p>
           <a:p>
             <a:pPr lvl="1"/>
@@ -1116,7 +1117,6 @@
               <a:rPr lang="zh-CN" altLang="en-US" smtClean="0"/>
               <a:t>第二级</a:t>
             </a:r>
-            <a:endParaRPr lang="zh-CN" altLang="en-US" smtClean="0"/>
           </a:p>
           <a:p>
             <a:pPr lvl="2"/>
@@ -1124,7 +1124,6 @@
               <a:rPr lang="zh-CN" altLang="en-US" smtClean="0"/>
               <a:t>第三级</a:t>
             </a:r>
-            <a:endParaRPr lang="zh-CN" altLang="en-US" smtClean="0"/>
           </a:p>
           <a:p>
             <a:pPr lvl="3"/>
@@ -1132,7 +1131,6 @@
               <a:rPr lang="zh-CN" altLang="en-US" smtClean="0"/>
               <a:t>第四级</a:t>
             </a:r>
-            <a:endParaRPr lang="zh-CN" altLang="en-US" smtClean="0"/>
           </a:p>
           <a:p>
             <a:pPr lvl="4"/>
@@ -1169,7 +1167,6 @@
               <a:rPr lang="zh-CN" altLang="en-US" smtClean="0"/>
               <a:t>单击此处编辑母版文本样式</a:t>
             </a:r>
-            <a:endParaRPr lang="zh-CN" altLang="en-US" smtClean="0"/>
           </a:p>
           <a:p>
             <a:pPr lvl="1"/>
@@ -1177,7 +1174,6 @@
               <a:rPr lang="zh-CN" altLang="en-US" smtClean="0"/>
               <a:t>第二级</a:t>
             </a:r>
-            <a:endParaRPr lang="zh-CN" altLang="en-US" smtClean="0"/>
           </a:p>
           <a:p>
             <a:pPr lvl="2"/>
@@ -1185,7 +1181,6 @@
               <a:rPr lang="zh-CN" altLang="en-US" smtClean="0"/>
               <a:t>第三级</a:t>
             </a:r>
-            <a:endParaRPr lang="zh-CN" altLang="en-US" smtClean="0"/>
           </a:p>
           <a:p>
             <a:pPr lvl="3"/>
@@ -1193,7 +1188,6 @@
               <a:rPr lang="zh-CN" altLang="en-US" smtClean="0"/>
               <a:t>第四级</a:t>
             </a:r>
-            <a:endParaRPr lang="zh-CN" altLang="en-US" smtClean="0"/>
           </a:p>
           <a:p>
             <a:pPr lvl="4"/>
@@ -1222,6 +1216,7 @@
           <a:p>
             <a:fld id="{D997B5FA-0921-464F-AAE1-844C04324D75}" type="datetimeFigureOut">
               <a:rPr lang="zh-CN" altLang="en-US" smtClean="0"/>
+              <a:t>2017/8/2</a:t>
             </a:fld>
             <a:endParaRPr lang="zh-CN" altLang="en-US"/>
           </a:p>
@@ -1263,6 +1258,7 @@
           <a:p>
             <a:fld id="{565CE74E-AB26-4998-AD42-012C4C1AD076}" type="slidenum">
               <a:rPr lang="zh-CN" altLang="en-US" smtClean="0"/>
+              <a:t>‹#›</a:t>
             </a:fld>
             <a:endParaRPr lang="zh-CN" altLang="en-US"/>
           </a:p>
@@ -1383,7 +1379,6 @@
               <a:rPr lang="zh-CN" altLang="en-US" smtClean="0"/>
               <a:t>单击此处编辑母版文本样式</a:t>
             </a:r>
-            <a:endParaRPr lang="zh-CN" altLang="en-US" smtClean="0"/>
           </a:p>
         </p:txBody>
       </p:sp>
@@ -1412,7 +1407,6 @@
               <a:rPr lang="zh-CN" altLang="en-US" smtClean="0"/>
               <a:t>单击此处编辑母版文本样式</a:t>
             </a:r>
-            <a:endParaRPr lang="zh-CN" altLang="en-US" smtClean="0"/>
           </a:p>
           <a:p>
             <a:pPr lvl="1"/>
@@ -1420,7 +1414,6 @@
               <a:rPr lang="zh-CN" altLang="en-US" smtClean="0"/>
               <a:t>第二级</a:t>
             </a:r>
-            <a:endParaRPr lang="zh-CN" altLang="en-US" smtClean="0"/>
           </a:p>
           <a:p>
             <a:pPr lvl="2"/>
@@ -1428,7 +1421,6 @@
               <a:rPr lang="zh-CN" altLang="en-US" smtClean="0"/>
               <a:t>第三级</a:t>
             </a:r>
-            <a:endParaRPr lang="zh-CN" altLang="en-US" smtClean="0"/>
           </a:p>
           <a:p>
             <a:pPr lvl="3"/>
@@ -1436,7 +1428,6 @@
               <a:rPr lang="zh-CN" altLang="en-US" smtClean="0"/>
               <a:t>第四级</a:t>
             </a:r>
-            <a:endParaRPr lang="zh-CN" altLang="en-US" smtClean="0"/>
           </a:p>
           <a:p>
             <a:pPr lvl="4"/>
@@ -1510,7 +1501,6 @@
               <a:rPr lang="zh-CN" altLang="en-US" smtClean="0"/>
               <a:t>单击此处编辑母版文本样式</a:t>
             </a:r>
-            <a:endParaRPr lang="zh-CN" altLang="en-US" smtClean="0"/>
           </a:p>
         </p:txBody>
       </p:sp>
@@ -1539,7 +1529,6 @@
               <a:rPr lang="zh-CN" altLang="en-US" smtClean="0"/>
               <a:t>单击此处编辑母版文本样式</a:t>
             </a:r>
-            <a:endParaRPr lang="zh-CN" altLang="en-US" smtClean="0"/>
           </a:p>
           <a:p>
             <a:pPr lvl="1"/>
@@ -1547,7 +1536,6 @@
               <a:rPr lang="zh-CN" altLang="en-US" smtClean="0"/>
               <a:t>第二级</a:t>
             </a:r>
-            <a:endParaRPr lang="zh-CN" altLang="en-US" smtClean="0"/>
           </a:p>
           <a:p>
             <a:pPr lvl="2"/>
@@ -1555,7 +1543,6 @@
               <a:rPr lang="zh-CN" altLang="en-US" smtClean="0"/>
               <a:t>第三级</a:t>
             </a:r>
-            <a:endParaRPr lang="zh-CN" altLang="en-US" smtClean="0"/>
           </a:p>
           <a:p>
             <a:pPr lvl="3"/>
@@ -1563,7 +1550,6 @@
               <a:rPr lang="zh-CN" altLang="en-US" smtClean="0"/>
               <a:t>第四级</a:t>
             </a:r>
-            <a:endParaRPr lang="zh-CN" altLang="en-US" smtClean="0"/>
           </a:p>
           <a:p>
             <a:pPr lvl="4"/>
@@ -1592,6 +1578,7 @@
           <a:p>
             <a:fld id="{D997B5FA-0921-464F-AAE1-844C04324D75}" type="datetimeFigureOut">
               <a:rPr lang="zh-CN" altLang="en-US" smtClean="0"/>
+              <a:t>2017/8/2</a:t>
             </a:fld>
             <a:endParaRPr lang="zh-CN" altLang="en-US"/>
           </a:p>
@@ -1633,6 +1620,7 @@
           <a:p>
             <a:fld id="{565CE74E-AB26-4998-AD42-012C4C1AD076}" type="slidenum">
               <a:rPr lang="zh-CN" altLang="en-US" smtClean="0"/>
+              <a:t>‹#›</a:t>
             </a:fld>
             <a:endParaRPr lang="zh-CN" altLang="en-US"/>
           </a:p>
@@ -1703,6 +1691,7 @@
           <a:p>
             <a:fld id="{D997B5FA-0921-464F-AAE1-844C04324D75}" type="datetimeFigureOut">
               <a:rPr lang="zh-CN" altLang="en-US" smtClean="0"/>
+              <a:t>2017/8/2</a:t>
             </a:fld>
             <a:endParaRPr lang="zh-CN" altLang="en-US"/>
           </a:p>
@@ -1744,6 +1733,7 @@
           <a:p>
             <a:fld id="{565CE74E-AB26-4998-AD42-012C4C1AD076}" type="slidenum">
               <a:rPr lang="zh-CN" altLang="en-US" smtClean="0"/>
+              <a:t>‹#›</a:t>
             </a:fld>
             <a:endParaRPr lang="zh-CN" altLang="en-US"/>
           </a:p>
@@ -1791,6 +1781,7 @@
           <a:p>
             <a:fld id="{D997B5FA-0921-464F-AAE1-844C04324D75}" type="datetimeFigureOut">
               <a:rPr lang="zh-CN" altLang="en-US" smtClean="0"/>
+              <a:t>2017/8/2</a:t>
             </a:fld>
             <a:endParaRPr lang="zh-CN" altLang="en-US"/>
           </a:p>
@@ -1832,6 +1823,7 @@
           <a:p>
             <a:fld id="{565CE74E-AB26-4998-AD42-012C4C1AD076}" type="slidenum">
               <a:rPr lang="zh-CN" altLang="en-US" smtClean="0"/>
+              <a:t>‹#›</a:t>
             </a:fld>
             <a:endParaRPr lang="zh-CN" altLang="en-US"/>
           </a:p>
@@ -1947,7 +1939,6 @@
               <a:rPr lang="zh-CN" altLang="en-US" smtClean="0"/>
               <a:t>单击此处编辑母版文本样式</a:t>
             </a:r>
-            <a:endParaRPr lang="zh-CN" altLang="en-US" smtClean="0"/>
           </a:p>
           <a:p>
             <a:pPr lvl="1"/>
@@ -1955,7 +1946,6 @@
               <a:rPr lang="zh-CN" altLang="en-US" smtClean="0"/>
               <a:t>第二级</a:t>
             </a:r>
-            <a:endParaRPr lang="zh-CN" altLang="en-US" smtClean="0"/>
           </a:p>
           <a:p>
             <a:pPr lvl="2"/>
@@ -1963,7 +1953,6 @@
               <a:rPr lang="zh-CN" altLang="en-US" smtClean="0"/>
               <a:t>第三级</a:t>
             </a:r>
-            <a:endParaRPr lang="zh-CN" altLang="en-US" smtClean="0"/>
           </a:p>
           <a:p>
             <a:pPr lvl="3"/>
@@ -1971,7 +1960,6 @@
               <a:rPr lang="zh-CN" altLang="en-US" smtClean="0"/>
               <a:t>第四级</a:t>
             </a:r>
-            <a:endParaRPr lang="zh-CN" altLang="en-US" smtClean="0"/>
           </a:p>
           <a:p>
             <a:pPr lvl="4"/>
@@ -2045,7 +2033,6 @@
               <a:rPr lang="zh-CN" altLang="en-US" smtClean="0"/>
               <a:t>单击此处编辑母版文本样式</a:t>
             </a:r>
-            <a:endParaRPr lang="zh-CN" altLang="en-US" smtClean="0"/>
           </a:p>
         </p:txBody>
       </p:sp>
@@ -2066,6 +2053,7 @@
           <a:p>
             <a:fld id="{D997B5FA-0921-464F-AAE1-844C04324D75}" type="datetimeFigureOut">
               <a:rPr lang="zh-CN" altLang="en-US" smtClean="0"/>
+              <a:t>2017/8/2</a:t>
             </a:fld>
             <a:endParaRPr lang="zh-CN" altLang="en-US"/>
           </a:p>
@@ -2107,6 +2095,7 @@
           <a:p>
             <a:fld id="{565CE74E-AB26-4998-AD42-012C4C1AD076}" type="slidenum">
               <a:rPr lang="zh-CN" altLang="en-US" smtClean="0"/>
+              <a:t>‹#›</a:t>
             </a:fld>
             <a:endParaRPr lang="zh-CN" altLang="en-US"/>
           </a:p>
@@ -2292,7 +2281,6 @@
               <a:rPr lang="zh-CN" altLang="en-US" smtClean="0"/>
               <a:t>单击此处编辑母版文本样式</a:t>
             </a:r>
-            <a:endParaRPr lang="zh-CN" altLang="en-US" smtClean="0"/>
           </a:p>
         </p:txBody>
       </p:sp>
@@ -2313,6 +2301,7 @@
           <a:p>
             <a:fld id="{D997B5FA-0921-464F-AAE1-844C04324D75}" type="datetimeFigureOut">
               <a:rPr lang="zh-CN" altLang="en-US" smtClean="0"/>
+              <a:t>2017/8/2</a:t>
             </a:fld>
             <a:endParaRPr lang="zh-CN" altLang="en-US"/>
           </a:p>
@@ -2354,6 +2343,7 @@
           <a:p>
             <a:fld id="{565CE74E-AB26-4998-AD42-012C4C1AD076}" type="slidenum">
               <a:rPr lang="zh-CN" altLang="en-US" smtClean="0"/>
+              <a:t>‹#›</a:t>
             </a:fld>
             <a:endParaRPr lang="zh-CN" altLang="en-US"/>
           </a:p>
@@ -2452,7 +2442,6 @@
               <a:rPr lang="zh-CN" altLang="en-US" smtClean="0"/>
               <a:t>单击此处编辑母版文本样式</a:t>
             </a:r>
-            <a:endParaRPr lang="zh-CN" altLang="en-US" smtClean="0"/>
           </a:p>
           <a:p>
             <a:pPr lvl="1"/>
@@ -2460,7 +2449,6 @@
               <a:rPr lang="zh-CN" altLang="en-US" smtClean="0"/>
               <a:t>第二级</a:t>
             </a:r>
-            <a:endParaRPr lang="zh-CN" altLang="en-US" smtClean="0"/>
           </a:p>
           <a:p>
             <a:pPr lvl="2"/>
@@ -2468,7 +2456,6 @@
               <a:rPr lang="zh-CN" altLang="en-US" smtClean="0"/>
               <a:t>第三级</a:t>
             </a:r>
-            <a:endParaRPr lang="zh-CN" altLang="en-US" smtClean="0"/>
           </a:p>
           <a:p>
             <a:pPr lvl="3"/>
@@ -2476,7 +2463,6 @@
               <a:rPr lang="zh-CN" altLang="en-US" smtClean="0"/>
               <a:t>第四级</a:t>
             </a:r>
-            <a:endParaRPr lang="zh-CN" altLang="en-US" smtClean="0"/>
           </a:p>
           <a:p>
             <a:pPr lvl="4"/>
@@ -2523,6 +2509,7 @@
           <a:p>
             <a:fld id="{D997B5FA-0921-464F-AAE1-844C04324D75}" type="datetimeFigureOut">
               <a:rPr lang="zh-CN" altLang="en-US" smtClean="0"/>
+              <a:t>2017/8/2</a:t>
             </a:fld>
             <a:endParaRPr lang="zh-CN" altLang="en-US"/>
           </a:p>
@@ -2600,6 +2587,7 @@
           <a:p>
             <a:fld id="{565CE74E-AB26-4998-AD42-012C4C1AD076}" type="slidenum">
               <a:rPr lang="zh-CN" altLang="en-US" smtClean="0"/>
+              <a:t>‹#›</a:t>
             </a:fld>
             <a:endParaRPr lang="zh-CN" altLang="en-US"/>
           </a:p>
@@ -2913,7 +2901,14 @@
         <p:cNvGrpSpPr/>
         <p:nvPr/>
       </p:nvGrpSpPr>
-      <p:grpSpPr/>
+      <p:grpSpPr>
+        <a:xfrm>
+          <a:off x="0" y="0"/>
+          <a:ext cx="0" cy="0"/>
+          <a:chOff x="0" y="0"/>
+          <a:chExt cx="0" cy="0"/>
+        </a:xfrm>
+      </p:grpSpPr>
       <p:sp>
         <p:nvSpPr>
           <p:cNvPr id="4" name="文本框 3"/>
@@ -2922,8 +2917,8 @@
         </p:nvSpPr>
         <p:spPr>
           <a:xfrm>
-            <a:off x="4914900" y="2373630"/>
-            <a:ext cx="2017395" cy="1568450"/>
+            <a:off x="4914901" y="2373630"/>
+            <a:ext cx="1780868" cy="1568450"/>
           </a:xfrm>
           <a:prstGeom prst="rect">
             <a:avLst/>
@@ -2934,22 +2929,26 @@
           <a:bodyPr wrap="square" rtlCol="0">
             <a:spAutoFit/>
           </a:bodyPr>
-          <a:p>
-            <a:r>
-              <a:rPr lang="en-US" altLang="zh-CN" sz="9600">
+          <a:lstStyle/>
+          <a:p>
+            <a:r>
+              <a:rPr lang="en-US" altLang="zh-CN" sz="9600" b="1" dirty="0">
+                <a:solidFill>
+                  <a:srgbClr val="807773"/>
+                </a:solidFill>
                 <a:latin typeface="Monotype Corsiva" panose="03010101010201010101" charset="0"/>
               </a:rPr>
               <a:t>D</a:t>
             </a:r>
             <a:r>
-              <a:rPr lang="en-US" altLang="zh-CN" sz="7200">
+              <a:rPr lang="en-US" altLang="zh-CN" sz="7200" b="1" dirty="0">
+                <a:solidFill>
+                  <a:srgbClr val="807773"/>
+                </a:solidFill>
                 <a:latin typeface="Monotype Corsiva" panose="03010101010201010101" charset="0"/>
               </a:rPr>
               <a:t>H</a:t>
             </a:r>
-            <a:endParaRPr lang="en-US" altLang="zh-CN" sz="7200">
-              <a:latin typeface="Monotype Corsiva" panose="03010101010201010101" charset="0"/>
-            </a:endParaRPr>
           </a:p>
         </p:txBody>
       </p:sp>
@@ -3212,6 +3211,8 @@
       </a:bgFillStyleLst>
     </a:fmtScheme>
   </a:themeElements>
+  <a:objectDefaults/>
+  <a:extraClrSchemeLst/>
   <a:extLst>
     <a:ext uri="{05A4C25C-085E-4340-85A3-A5531E510DB2}">
       <thm15:themeFamily xmlns:thm15="http://schemas.microsoft.com/office/thememl/2012/main" name="Office Theme" id="{62F939B6-93AF-4DB8-9C6B-D6C7DFDC589F}" vid="{4A3C46E8-61CC-4603-A589-7422A47A8E4A}"/>

--- a/Holdlen2DH_files/logo.pptx
+++ b/Holdlen2DH_files/logo.pptx
@@ -5,7 +5,7 @@
     <p:sldMasterId id="2147483648" r:id="rId1"/>
   </p:sldMasterIdLst>
   <p:sldIdLst>
-    <p:sldId id="256" r:id="rId2"/>
+    <p:sldId id="256" r:id="rId3"/>
   </p:sldIdLst>
   <p:sldSz cx="12192000" cy="6858000"/>
   <p:notesSz cx="6858000" cy="9144000"/>
@@ -104,11 +104,6 @@
       </a:defRPr>
     </a:lvl9pPr>
   </p:defaultTextStyle>
-  <p:extLst>
-    <p:ext uri="{EFAFB233-063F-42B5-8137-9DF3F51BA10A}">
-      <p15:sldGuideLst xmlns:p15="http://schemas.microsoft.com/office/powerpoint/2012/main"/>
-    </p:ext>
-  </p:extLst>
 </p:presentation>
 </file>
 
@@ -243,7 +238,6 @@
           <a:p>
             <a:fld id="{D997B5FA-0921-464F-AAE1-844C04324D75}" type="datetimeFigureOut">
               <a:rPr lang="zh-CN" altLang="en-US" smtClean="0"/>
-              <a:t>2017/8/2</a:t>
             </a:fld>
             <a:endParaRPr lang="zh-CN" altLang="en-US"/>
           </a:p>
@@ -285,7 +279,6 @@
           <a:p>
             <a:fld id="{565CE74E-AB26-4998-AD42-012C4C1AD076}" type="slidenum">
               <a:rPr lang="zh-CN" altLang="en-US" smtClean="0"/>
-              <a:t>‹#›</a:t>
             </a:fld>
             <a:endParaRPr lang="zh-CN" altLang="en-US"/>
           </a:p>
@@ -359,6 +352,7 @@
               <a:rPr lang="zh-CN" altLang="en-US" smtClean="0"/>
               <a:t>单击此处编辑母版文本样式</a:t>
             </a:r>
+            <a:endParaRPr lang="zh-CN" altLang="en-US" smtClean="0"/>
           </a:p>
           <a:p>
             <a:pPr lvl="1"/>
@@ -366,6 +360,7 @@
               <a:rPr lang="zh-CN" altLang="en-US" smtClean="0"/>
               <a:t>第二级</a:t>
             </a:r>
+            <a:endParaRPr lang="zh-CN" altLang="en-US" smtClean="0"/>
           </a:p>
           <a:p>
             <a:pPr lvl="2"/>
@@ -373,6 +368,7 @@
               <a:rPr lang="zh-CN" altLang="en-US" smtClean="0"/>
               <a:t>第三级</a:t>
             </a:r>
+            <a:endParaRPr lang="zh-CN" altLang="en-US" smtClean="0"/>
           </a:p>
           <a:p>
             <a:pPr lvl="3"/>
@@ -380,6 +376,7 @@
               <a:rPr lang="zh-CN" altLang="en-US" smtClean="0"/>
               <a:t>第四级</a:t>
             </a:r>
+            <a:endParaRPr lang="zh-CN" altLang="en-US" smtClean="0"/>
           </a:p>
           <a:p>
             <a:pPr lvl="4"/>
@@ -408,7 +405,6 @@
           <a:p>
             <a:fld id="{D997B5FA-0921-464F-AAE1-844C04324D75}" type="datetimeFigureOut">
               <a:rPr lang="zh-CN" altLang="en-US" smtClean="0"/>
-              <a:t>2017/8/2</a:t>
             </a:fld>
             <a:endParaRPr lang="zh-CN" altLang="en-US"/>
           </a:p>
@@ -450,7 +446,6 @@
           <a:p>
             <a:fld id="{565CE74E-AB26-4998-AD42-012C4C1AD076}" type="slidenum">
               <a:rPr lang="zh-CN" altLang="en-US" smtClean="0"/>
-              <a:t>‹#›</a:t>
             </a:fld>
             <a:endParaRPr lang="zh-CN" altLang="en-US"/>
           </a:p>
@@ -534,6 +529,7 @@
               <a:rPr lang="zh-CN" altLang="en-US" smtClean="0"/>
               <a:t>单击此处编辑母版文本样式</a:t>
             </a:r>
+            <a:endParaRPr lang="zh-CN" altLang="en-US" smtClean="0"/>
           </a:p>
           <a:p>
             <a:pPr lvl="1"/>
@@ -541,6 +537,7 @@
               <a:rPr lang="zh-CN" altLang="en-US" smtClean="0"/>
               <a:t>第二级</a:t>
             </a:r>
+            <a:endParaRPr lang="zh-CN" altLang="en-US" smtClean="0"/>
           </a:p>
           <a:p>
             <a:pPr lvl="2"/>
@@ -548,6 +545,7 @@
               <a:rPr lang="zh-CN" altLang="en-US" smtClean="0"/>
               <a:t>第三级</a:t>
             </a:r>
+            <a:endParaRPr lang="zh-CN" altLang="en-US" smtClean="0"/>
           </a:p>
           <a:p>
             <a:pPr lvl="3"/>
@@ -555,6 +553,7 @@
               <a:rPr lang="zh-CN" altLang="en-US" smtClean="0"/>
               <a:t>第四级</a:t>
             </a:r>
+            <a:endParaRPr lang="zh-CN" altLang="en-US" smtClean="0"/>
           </a:p>
           <a:p>
             <a:pPr lvl="4"/>
@@ -583,7 +582,6 @@
           <a:p>
             <a:fld id="{D997B5FA-0921-464F-AAE1-844C04324D75}" type="datetimeFigureOut">
               <a:rPr lang="zh-CN" altLang="en-US" smtClean="0"/>
-              <a:t>2017/8/2</a:t>
             </a:fld>
             <a:endParaRPr lang="zh-CN" altLang="en-US"/>
           </a:p>
@@ -625,7 +623,6 @@
           <a:p>
             <a:fld id="{565CE74E-AB26-4998-AD42-012C4C1AD076}" type="slidenum">
               <a:rPr lang="zh-CN" altLang="en-US" smtClean="0"/>
-              <a:t>‹#›</a:t>
             </a:fld>
             <a:endParaRPr lang="zh-CN" altLang="en-US"/>
           </a:p>
@@ -699,6 +696,7 @@
               <a:rPr lang="zh-CN" altLang="en-US" smtClean="0"/>
               <a:t>单击此处编辑母版文本样式</a:t>
             </a:r>
+            <a:endParaRPr lang="zh-CN" altLang="en-US" smtClean="0"/>
           </a:p>
           <a:p>
             <a:pPr lvl="1"/>
@@ -706,6 +704,7 @@
               <a:rPr lang="zh-CN" altLang="en-US" smtClean="0"/>
               <a:t>第二级</a:t>
             </a:r>
+            <a:endParaRPr lang="zh-CN" altLang="en-US" smtClean="0"/>
           </a:p>
           <a:p>
             <a:pPr lvl="2"/>
@@ -713,6 +712,7 @@
               <a:rPr lang="zh-CN" altLang="en-US" smtClean="0"/>
               <a:t>第三级</a:t>
             </a:r>
+            <a:endParaRPr lang="zh-CN" altLang="en-US" smtClean="0"/>
           </a:p>
           <a:p>
             <a:pPr lvl="3"/>
@@ -720,6 +720,7 @@
               <a:rPr lang="zh-CN" altLang="en-US" smtClean="0"/>
               <a:t>第四级</a:t>
             </a:r>
+            <a:endParaRPr lang="zh-CN" altLang="en-US" smtClean="0"/>
           </a:p>
           <a:p>
             <a:pPr lvl="4"/>
@@ -748,7 +749,6 @@
           <a:p>
             <a:fld id="{D997B5FA-0921-464F-AAE1-844C04324D75}" type="datetimeFigureOut">
               <a:rPr lang="zh-CN" altLang="en-US" smtClean="0"/>
-              <a:t>2017/8/2</a:t>
             </a:fld>
             <a:endParaRPr lang="zh-CN" altLang="en-US"/>
           </a:p>
@@ -790,7 +790,6 @@
           <a:p>
             <a:fld id="{565CE74E-AB26-4998-AD42-012C4C1AD076}" type="slidenum">
               <a:rPr lang="zh-CN" altLang="en-US" smtClean="0"/>
-              <a:t>‹#›</a:t>
             </a:fld>
             <a:endParaRPr lang="zh-CN" altLang="en-US"/>
           </a:p>
@@ -969,6 +968,7 @@
               <a:rPr lang="zh-CN" altLang="en-US" smtClean="0"/>
               <a:t>单击此处编辑母版文本样式</a:t>
             </a:r>
+            <a:endParaRPr lang="zh-CN" altLang="en-US" smtClean="0"/>
           </a:p>
         </p:txBody>
       </p:sp>
@@ -989,7 +989,6 @@
           <a:p>
             <a:fld id="{D997B5FA-0921-464F-AAE1-844C04324D75}" type="datetimeFigureOut">
               <a:rPr lang="zh-CN" altLang="en-US" smtClean="0"/>
-              <a:t>2017/8/2</a:t>
             </a:fld>
             <a:endParaRPr lang="zh-CN" altLang="en-US"/>
           </a:p>
@@ -1031,7 +1030,6 @@
           <a:p>
             <a:fld id="{565CE74E-AB26-4998-AD42-012C4C1AD076}" type="slidenum">
               <a:rPr lang="zh-CN" altLang="en-US" smtClean="0"/>
-              <a:t>‹#›</a:t>
             </a:fld>
             <a:endParaRPr lang="zh-CN" altLang="en-US"/>
           </a:p>
@@ -1110,6 +1108,7 @@
               <a:rPr lang="zh-CN" altLang="en-US" smtClean="0"/>
               <a:t>单击此处编辑母版文本样式</a:t>
             </a:r>
+            <a:endParaRPr lang="zh-CN" altLang="en-US" smtClean="0"/>
           </a:p>
           <a:p>
             <a:pPr lvl="1"/>
@@ -1117,6 +1116,7 @@
               <a:rPr lang="zh-CN" altLang="en-US" smtClean="0"/>
               <a:t>第二级</a:t>
             </a:r>
+            <a:endParaRPr lang="zh-CN" altLang="en-US" smtClean="0"/>
           </a:p>
           <a:p>
             <a:pPr lvl="2"/>
@@ -1124,6 +1124,7 @@
               <a:rPr lang="zh-CN" altLang="en-US" smtClean="0"/>
               <a:t>第三级</a:t>
             </a:r>
+            <a:endParaRPr lang="zh-CN" altLang="en-US" smtClean="0"/>
           </a:p>
           <a:p>
             <a:pPr lvl="3"/>
@@ -1131,6 +1132,7 @@
               <a:rPr lang="zh-CN" altLang="en-US" smtClean="0"/>
               <a:t>第四级</a:t>
             </a:r>
+            <a:endParaRPr lang="zh-CN" altLang="en-US" smtClean="0"/>
           </a:p>
           <a:p>
             <a:pPr lvl="4"/>
@@ -1167,6 +1169,7 @@
               <a:rPr lang="zh-CN" altLang="en-US" smtClean="0"/>
               <a:t>单击此处编辑母版文本样式</a:t>
             </a:r>
+            <a:endParaRPr lang="zh-CN" altLang="en-US" smtClean="0"/>
           </a:p>
           <a:p>
             <a:pPr lvl="1"/>
@@ -1174,6 +1177,7 @@
               <a:rPr lang="zh-CN" altLang="en-US" smtClean="0"/>
               <a:t>第二级</a:t>
             </a:r>
+            <a:endParaRPr lang="zh-CN" altLang="en-US" smtClean="0"/>
           </a:p>
           <a:p>
             <a:pPr lvl="2"/>
@@ -1181,6 +1185,7 @@
               <a:rPr lang="zh-CN" altLang="en-US" smtClean="0"/>
               <a:t>第三级</a:t>
             </a:r>
+            <a:endParaRPr lang="zh-CN" altLang="en-US" smtClean="0"/>
           </a:p>
           <a:p>
             <a:pPr lvl="3"/>
@@ -1188,6 +1193,7 @@
               <a:rPr lang="zh-CN" altLang="en-US" smtClean="0"/>
               <a:t>第四级</a:t>
             </a:r>
+            <a:endParaRPr lang="zh-CN" altLang="en-US" smtClean="0"/>
           </a:p>
           <a:p>
             <a:pPr lvl="4"/>
@@ -1216,7 +1222,6 @@
           <a:p>
             <a:fld id="{D997B5FA-0921-464F-AAE1-844C04324D75}" type="datetimeFigureOut">
               <a:rPr lang="zh-CN" altLang="en-US" smtClean="0"/>
-              <a:t>2017/8/2</a:t>
             </a:fld>
             <a:endParaRPr lang="zh-CN" altLang="en-US"/>
           </a:p>
@@ -1258,7 +1263,6 @@
           <a:p>
             <a:fld id="{565CE74E-AB26-4998-AD42-012C4C1AD076}" type="slidenum">
               <a:rPr lang="zh-CN" altLang="en-US" smtClean="0"/>
-              <a:t>‹#›</a:t>
             </a:fld>
             <a:endParaRPr lang="zh-CN" altLang="en-US"/>
           </a:p>
@@ -1379,6 +1383,7 @@
               <a:rPr lang="zh-CN" altLang="en-US" smtClean="0"/>
               <a:t>单击此处编辑母版文本样式</a:t>
             </a:r>
+            <a:endParaRPr lang="zh-CN" altLang="en-US" smtClean="0"/>
           </a:p>
         </p:txBody>
       </p:sp>
@@ -1407,6 +1412,7 @@
               <a:rPr lang="zh-CN" altLang="en-US" smtClean="0"/>
               <a:t>单击此处编辑母版文本样式</a:t>
             </a:r>
+            <a:endParaRPr lang="zh-CN" altLang="en-US" smtClean="0"/>
           </a:p>
           <a:p>
             <a:pPr lvl="1"/>
@@ -1414,6 +1420,7 @@
               <a:rPr lang="zh-CN" altLang="en-US" smtClean="0"/>
               <a:t>第二级</a:t>
             </a:r>
+            <a:endParaRPr lang="zh-CN" altLang="en-US" smtClean="0"/>
           </a:p>
           <a:p>
             <a:pPr lvl="2"/>
@@ -1421,6 +1428,7 @@
               <a:rPr lang="zh-CN" altLang="en-US" smtClean="0"/>
               <a:t>第三级</a:t>
             </a:r>
+            <a:endParaRPr lang="zh-CN" altLang="en-US" smtClean="0"/>
           </a:p>
           <a:p>
             <a:pPr lvl="3"/>
@@ -1428,6 +1436,7 @@
               <a:rPr lang="zh-CN" altLang="en-US" smtClean="0"/>
               <a:t>第四级</a:t>
             </a:r>
+            <a:endParaRPr lang="zh-CN" altLang="en-US" smtClean="0"/>
           </a:p>
           <a:p>
             <a:pPr lvl="4"/>
@@ -1501,6 +1510,7 @@
               <a:rPr lang="zh-CN" altLang="en-US" smtClean="0"/>
               <a:t>单击此处编辑母版文本样式</a:t>
             </a:r>
+            <a:endParaRPr lang="zh-CN" altLang="en-US" smtClean="0"/>
           </a:p>
         </p:txBody>
       </p:sp>
@@ -1529,6 +1539,7 @@
               <a:rPr lang="zh-CN" altLang="en-US" smtClean="0"/>
               <a:t>单击此处编辑母版文本样式</a:t>
             </a:r>
+            <a:endParaRPr lang="zh-CN" altLang="en-US" smtClean="0"/>
           </a:p>
           <a:p>
             <a:pPr lvl="1"/>
@@ -1536,6 +1547,7 @@
               <a:rPr lang="zh-CN" altLang="en-US" smtClean="0"/>
               <a:t>第二级</a:t>
             </a:r>
+            <a:endParaRPr lang="zh-CN" altLang="en-US" smtClean="0"/>
           </a:p>
           <a:p>
             <a:pPr lvl="2"/>
@@ -1543,6 +1555,7 @@
               <a:rPr lang="zh-CN" altLang="en-US" smtClean="0"/>
               <a:t>第三级</a:t>
             </a:r>
+            <a:endParaRPr lang="zh-CN" altLang="en-US" smtClean="0"/>
           </a:p>
           <a:p>
             <a:pPr lvl="3"/>
@@ -1550,6 +1563,7 @@
               <a:rPr lang="zh-CN" altLang="en-US" smtClean="0"/>
               <a:t>第四级</a:t>
             </a:r>
+            <a:endParaRPr lang="zh-CN" altLang="en-US" smtClean="0"/>
           </a:p>
           <a:p>
             <a:pPr lvl="4"/>
@@ -1578,7 +1592,6 @@
           <a:p>
             <a:fld id="{D997B5FA-0921-464F-AAE1-844C04324D75}" type="datetimeFigureOut">
               <a:rPr lang="zh-CN" altLang="en-US" smtClean="0"/>
-              <a:t>2017/8/2</a:t>
             </a:fld>
             <a:endParaRPr lang="zh-CN" altLang="en-US"/>
           </a:p>
@@ -1620,7 +1633,6 @@
           <a:p>
             <a:fld id="{565CE74E-AB26-4998-AD42-012C4C1AD076}" type="slidenum">
               <a:rPr lang="zh-CN" altLang="en-US" smtClean="0"/>
-              <a:t>‹#›</a:t>
             </a:fld>
             <a:endParaRPr lang="zh-CN" altLang="en-US"/>
           </a:p>
@@ -1691,7 +1703,6 @@
           <a:p>
             <a:fld id="{D997B5FA-0921-464F-AAE1-844C04324D75}" type="datetimeFigureOut">
               <a:rPr lang="zh-CN" altLang="en-US" smtClean="0"/>
-              <a:t>2017/8/2</a:t>
             </a:fld>
             <a:endParaRPr lang="zh-CN" altLang="en-US"/>
           </a:p>
@@ -1733,7 +1744,6 @@
           <a:p>
             <a:fld id="{565CE74E-AB26-4998-AD42-012C4C1AD076}" type="slidenum">
               <a:rPr lang="zh-CN" altLang="en-US" smtClean="0"/>
-              <a:t>‹#›</a:t>
             </a:fld>
             <a:endParaRPr lang="zh-CN" altLang="en-US"/>
           </a:p>
@@ -1781,7 +1791,6 @@
           <a:p>
             <a:fld id="{D997B5FA-0921-464F-AAE1-844C04324D75}" type="datetimeFigureOut">
               <a:rPr lang="zh-CN" altLang="en-US" smtClean="0"/>
-              <a:t>2017/8/2</a:t>
             </a:fld>
             <a:endParaRPr lang="zh-CN" altLang="en-US"/>
           </a:p>
@@ -1823,7 +1832,6 @@
           <a:p>
             <a:fld id="{565CE74E-AB26-4998-AD42-012C4C1AD076}" type="slidenum">
               <a:rPr lang="zh-CN" altLang="en-US" smtClean="0"/>
-              <a:t>‹#›</a:t>
             </a:fld>
             <a:endParaRPr lang="zh-CN" altLang="en-US"/>
           </a:p>
@@ -1939,6 +1947,7 @@
               <a:rPr lang="zh-CN" altLang="en-US" smtClean="0"/>
               <a:t>单击此处编辑母版文本样式</a:t>
             </a:r>
+            <a:endParaRPr lang="zh-CN" altLang="en-US" smtClean="0"/>
           </a:p>
           <a:p>
             <a:pPr lvl="1"/>
@@ -1946,6 +1955,7 @@
               <a:rPr lang="zh-CN" altLang="en-US" smtClean="0"/>
               <a:t>第二级</a:t>
             </a:r>
+            <a:endParaRPr lang="zh-CN" altLang="en-US" smtClean="0"/>
           </a:p>
           <a:p>
             <a:pPr lvl="2"/>
@@ -1953,6 +1963,7 @@
               <a:rPr lang="zh-CN" altLang="en-US" smtClean="0"/>
               <a:t>第三级</a:t>
             </a:r>
+            <a:endParaRPr lang="zh-CN" altLang="en-US" smtClean="0"/>
           </a:p>
           <a:p>
             <a:pPr lvl="3"/>
@@ -1960,6 +1971,7 @@
               <a:rPr lang="zh-CN" altLang="en-US" smtClean="0"/>
               <a:t>第四级</a:t>
             </a:r>
+            <a:endParaRPr lang="zh-CN" altLang="en-US" smtClean="0"/>
           </a:p>
           <a:p>
             <a:pPr lvl="4"/>
@@ -2033,6 +2045,7 @@
               <a:rPr lang="zh-CN" altLang="en-US" smtClean="0"/>
               <a:t>单击此处编辑母版文本样式</a:t>
             </a:r>
+            <a:endParaRPr lang="zh-CN" altLang="en-US" smtClean="0"/>
           </a:p>
         </p:txBody>
       </p:sp>
@@ -2053,7 +2066,6 @@
           <a:p>
             <a:fld id="{D997B5FA-0921-464F-AAE1-844C04324D75}" type="datetimeFigureOut">
               <a:rPr lang="zh-CN" altLang="en-US" smtClean="0"/>
-              <a:t>2017/8/2</a:t>
             </a:fld>
             <a:endParaRPr lang="zh-CN" altLang="en-US"/>
           </a:p>
@@ -2095,7 +2107,6 @@
           <a:p>
             <a:fld id="{565CE74E-AB26-4998-AD42-012C4C1AD076}" type="slidenum">
               <a:rPr lang="zh-CN" altLang="en-US" smtClean="0"/>
-              <a:t>‹#›</a:t>
             </a:fld>
             <a:endParaRPr lang="zh-CN" altLang="en-US"/>
           </a:p>
@@ -2281,6 +2292,7 @@
               <a:rPr lang="zh-CN" altLang="en-US" smtClean="0"/>
               <a:t>单击此处编辑母版文本样式</a:t>
             </a:r>
+            <a:endParaRPr lang="zh-CN" altLang="en-US" smtClean="0"/>
           </a:p>
         </p:txBody>
       </p:sp>
@@ -2301,7 +2313,6 @@
           <a:p>
             <a:fld id="{D997B5FA-0921-464F-AAE1-844C04324D75}" type="datetimeFigureOut">
               <a:rPr lang="zh-CN" altLang="en-US" smtClean="0"/>
-              <a:t>2017/8/2</a:t>
             </a:fld>
             <a:endParaRPr lang="zh-CN" altLang="en-US"/>
           </a:p>
@@ -2343,7 +2354,6 @@
           <a:p>
             <a:fld id="{565CE74E-AB26-4998-AD42-012C4C1AD076}" type="slidenum">
               <a:rPr lang="zh-CN" altLang="en-US" smtClean="0"/>
-              <a:t>‹#›</a:t>
             </a:fld>
             <a:endParaRPr lang="zh-CN" altLang="en-US"/>
           </a:p>
@@ -2442,6 +2452,7 @@
               <a:rPr lang="zh-CN" altLang="en-US" smtClean="0"/>
               <a:t>单击此处编辑母版文本样式</a:t>
             </a:r>
+            <a:endParaRPr lang="zh-CN" altLang="en-US" smtClean="0"/>
           </a:p>
           <a:p>
             <a:pPr lvl="1"/>
@@ -2449,6 +2460,7 @@
               <a:rPr lang="zh-CN" altLang="en-US" smtClean="0"/>
               <a:t>第二级</a:t>
             </a:r>
+            <a:endParaRPr lang="zh-CN" altLang="en-US" smtClean="0"/>
           </a:p>
           <a:p>
             <a:pPr lvl="2"/>
@@ -2456,6 +2468,7 @@
               <a:rPr lang="zh-CN" altLang="en-US" smtClean="0"/>
               <a:t>第三级</a:t>
             </a:r>
+            <a:endParaRPr lang="zh-CN" altLang="en-US" smtClean="0"/>
           </a:p>
           <a:p>
             <a:pPr lvl="3"/>
@@ -2463,6 +2476,7 @@
               <a:rPr lang="zh-CN" altLang="en-US" smtClean="0"/>
               <a:t>第四级</a:t>
             </a:r>
+            <a:endParaRPr lang="zh-CN" altLang="en-US" smtClean="0"/>
           </a:p>
           <a:p>
             <a:pPr lvl="4"/>
@@ -2509,7 +2523,6 @@
           <a:p>
             <a:fld id="{D997B5FA-0921-464F-AAE1-844C04324D75}" type="datetimeFigureOut">
               <a:rPr lang="zh-CN" altLang="en-US" smtClean="0"/>
-              <a:t>2017/8/2</a:t>
             </a:fld>
             <a:endParaRPr lang="zh-CN" altLang="en-US"/>
           </a:p>
@@ -2587,7 +2600,6 @@
           <a:p>
             <a:fld id="{565CE74E-AB26-4998-AD42-012C4C1AD076}" type="slidenum">
               <a:rPr lang="zh-CN" altLang="en-US" smtClean="0"/>
-              <a:t>‹#›</a:t>
             </a:fld>
             <a:endParaRPr lang="zh-CN" altLang="en-US"/>
           </a:p>
@@ -2917,8 +2929,8 @@
         </p:nvSpPr>
         <p:spPr>
           <a:xfrm>
-            <a:off x="4914901" y="2373630"/>
-            <a:ext cx="1780868" cy="1568450"/>
+            <a:off x="4902835" y="2373630"/>
+            <a:ext cx="2093595" cy="1568450"/>
           </a:xfrm>
           <a:prstGeom prst="rect">
             <a:avLst/>
@@ -2938,17 +2950,14 @@
                 </a:solidFill>
                 <a:latin typeface="Monotype Corsiva" panose="03010101010201010101" charset="0"/>
               </a:rPr>
-              <a:t>D</a:t>
-            </a:r>
-            <a:r>
-              <a:rPr lang="en-US" altLang="zh-CN" sz="7200" b="1" dirty="0">
-                <a:solidFill>
-                  <a:srgbClr val="807773"/>
-                </a:solidFill>
-                <a:latin typeface="Monotype Corsiva" panose="03010101010201010101" charset="0"/>
-              </a:rPr>
-              <a:t>H</a:t>
-            </a:r>
+              <a:t>DH</a:t>
+            </a:r>
+            <a:endParaRPr lang="en-US" altLang="zh-CN" sz="9600" b="1" dirty="0">
+              <a:solidFill>
+                <a:srgbClr val="807773"/>
+              </a:solidFill>
+              <a:latin typeface="Monotype Corsiva" panose="03010101010201010101" charset="0"/>
+            </a:endParaRPr>
           </a:p>
         </p:txBody>
       </p:sp>
@@ -3211,8 +3220,6 @@
       </a:bgFillStyleLst>
     </a:fmtScheme>
   </a:themeElements>
-  <a:objectDefaults/>
-  <a:extraClrSchemeLst/>
   <a:extLst>
     <a:ext uri="{05A4C25C-085E-4340-85A3-A5531E510DB2}">
       <thm15:themeFamily xmlns:thm15="http://schemas.microsoft.com/office/thememl/2012/main" name="Office Theme" id="{62F939B6-93AF-4DB8-9C6B-D6C7DFDC589F}" vid="{4A3C46E8-61CC-4603-A589-7422A47A8E4A}"/>

--- a/Holdlen2DH_files/logo.pptx
+++ b/Holdlen2DH_files/logo.pptx
@@ -2929,8 +2929,8 @@
         </p:nvSpPr>
         <p:spPr>
           <a:xfrm>
-            <a:off x="4902835" y="2373630"/>
-            <a:ext cx="2093595" cy="1568450"/>
+            <a:off x="4890770" y="2373630"/>
+            <a:ext cx="2682240" cy="1568450"/>
           </a:xfrm>
           <a:prstGeom prst="rect">
             <a:avLst/>
@@ -2943,6 +2943,7 @@
           </a:bodyPr>
           <a:lstStyle/>
           <a:p>
+            <a:pPr algn="ctr" fontAlgn="auto"/>
             <a:r>
               <a:rPr lang="en-US" altLang="zh-CN" sz="9600" b="1" dirty="0">
                 <a:solidFill>

--- a/Holdlen2DH_files/logo.pptx
+++ b/Holdlen2DH_files/logo.pptx
@@ -2951,9 +2951,18 @@
                 </a:solidFill>
                 <a:latin typeface="Monotype Corsiva" panose="03010101010201010101" charset="0"/>
               </a:rPr>
-              <a:t>DH</a:t>
-            </a:r>
-            <a:endParaRPr lang="en-US" altLang="zh-CN" sz="9600" b="1" dirty="0">
+              <a:t>D</a:t>
+            </a:r>
+            <a:r>
+              <a:rPr lang="en-US" altLang="zh-CN" sz="7200" b="1" dirty="0">
+                <a:solidFill>
+                  <a:srgbClr val="807773"/>
+                </a:solidFill>
+                <a:latin typeface="Monotype Corsiva" panose="03010101010201010101" charset="0"/>
+              </a:rPr>
+              <a:t>H</a:t>
+            </a:r>
+            <a:endParaRPr lang="en-US" altLang="zh-CN" sz="7200" b="1" dirty="0">
               <a:solidFill>
                 <a:srgbClr val="807773"/>
               </a:solidFill>
